--- a/CBRTemplate.pptx
+++ b/CBRTemplate.pptx
@@ -12,10 +12,6 @@
   </p:handoutMasterIdLst>
   <p:sldIdLst>
     <p:sldId id="266" r:id="rId5"/>
-    <p:sldId id="267" r:id="rId14"/>
-    <p:sldId id="268" r:id="rId15"/>
-    <p:sldId id="269" r:id="rId16"/>
-    <p:sldId id="270" r:id="rId17"/>
   </p:sldIdLst>
   <p:sldSz cx="12188825" cy="6858000"/>
   <p:notesSz cx="6858000" cy="9144000"/>
@@ -136,8 +132,8 @@
 <file path=ppt/revisionInfo.xml><?xml version="1.0" encoding="utf-8"?>
 <p1510:revInfo xmlns:a="http://schemas.openxmlformats.org/drawingml/2006/main" xmlns:r="http://schemas.openxmlformats.org/officeDocument/2006/relationships" xmlns:p1510="http://schemas.microsoft.com/office/powerpoint/2015/10/main">
   <p1510:revLst>
+    <p1510:client id="{08B0F390-5785-1C43-9AA8-46D6E4B1ECC2}" v="151" dt="2018-02-27T19:58:04.028"/>
     <p1510:client id="{8D3AC933-98CD-434D-AC8F-0E7B634465A6}" v="62" dt="2018-02-27T19:39:49.705"/>
-    <p1510:client id="{08B0F390-5785-1C43-9AA8-46D6E4B1ECC2}" v="151" dt="2018-02-27T19:58:04.028"/>
   </p1510:revLst>
 </p1510:revInfo>
 </file>
@@ -177,1986 +173,6 @@
 </pc:chgInfo>
 </file>
 
-<file path=ppt/charts/chart1.xml><?xml version="1.0" encoding="utf-8"?>
-<c:chartSpace xmlns:c="http://schemas.openxmlformats.org/drawingml/2006/chart" xmlns:a="http://schemas.openxmlformats.org/drawingml/2006/main" xmlns:r="http://schemas.openxmlformats.org/officeDocument/2006/relationships">
-  <c:date1904 val="0"/>
-  <c:chart>
-    <c:plotArea>
-      <c:barChart>
-        <c:barDir val="col"/>
-        <c:grouping val="clustered"/>
-        <c:ser>
-          <c:idx val="0"/>
-          <c:order val="0"/>
-          <c:tx>
-            <c:strRef>
-              <c:f>Sheet1!$B$1</c:f>
-              <c:strCache>
-                <c:ptCount val="1"/>
-                <c:pt idx="0">
-                  <c:v>Critical Vulnerabilities</c:v>
-                </c:pt>
-              </c:strCache>
-            </c:strRef>
-          </c:tx>
-          <c:cat>
-            <c:strRef>
-              <c:f>Sheet1!$A$2:$A$32</c:f>
-              <c:strCache>
-                <c:ptCount val="31"/>
-                <c:pt idx="0">
-                  <c:v>ACB</c:v>
-                </c:pt>
-                <c:pt idx="1">
-                  <c:v>ACBDEV</c:v>
-                </c:pt>
-                <c:pt idx="2">
-                  <c:v>ClaimAuto/LMGNEWMAP-RDCC</c:v>
-                </c:pt>
-                <c:pt idx="3">
-                  <c:v>CRInquiry_Sys</c:v>
-                </c:pt>
-                <c:pt idx="4">
-                  <c:v>Default Web Application</c:v>
-                </c:pt>
-                <c:pt idx="5">
-                  <c:v>DMS/dms.portal</c:v>
-                </c:pt>
-                <c:pt idx="6">
-                  <c:v>GRM-GRM_East-HongKong-WebApp01</c:v>
-                </c:pt>
-                <c:pt idx="7">
-                  <c:v>GRM-GRM_East-Singapore-B2C</c:v>
-                </c:pt>
-                <c:pt idx="8">
-                  <c:v>GRM-GRM_East-Thailand-EAppraisal2</c:v>
-                </c:pt>
-                <c:pt idx="9">
-                  <c:v>GRM-GRM_East-Thailand-LCIS</c:v>
-                </c:pt>
-                <c:pt idx="10">
-                  <c:v>GRM-GRM_East-Thailand-LMGWebMonitoring</c:v>
-                </c:pt>
-                <c:pt idx="11">
-                  <c:v>GRM-GRM_East-Thailand-ProducerPortal</c:v>
-                </c:pt>
-                <c:pt idx="12">
-                  <c:v>GRM-GRM_East-Thailand-Webservices</c:v>
-                </c:pt>
-                <c:pt idx="13">
-                  <c:v>GRM-GRM_East-Vietnam-LibertyWorkflow</c:v>
-                </c:pt>
-                <c:pt idx="14">
-                  <c:v>GRM-GRM_West-Ireland-Ebusiness</c:v>
-                </c:pt>
-                <c:pt idx="15">
-                  <c:v>GRM-GRM_West-Ireland-Ebusiness-Sandpit</c:v>
-                </c:pt>
-                <c:pt idx="16">
-                  <c:v>GRM-GRM_West-Ireland-EService</c:v>
-                </c:pt>
-                <c:pt idx="17">
-                  <c:v>GRM-GRM_West-Ireland-IFI</c:v>
-                </c:pt>
-                <c:pt idx="18">
-                  <c:v>GRM-GRM_West-Spain-Liferay</c:v>
-                </c:pt>
-                <c:pt idx="19">
-                  <c:v>GRM-GRM_West-Spain-Mediadores</c:v>
-                </c:pt>
-                <c:pt idx="20">
-                  <c:v>InsureFaces Internet</c:v>
-                </c:pt>
-                <c:pt idx="21">
-                  <c:v>InsureFacesWebServices</c:v>
-                </c:pt>
-                <c:pt idx="22">
-                  <c:v>isclite</c:v>
-                </c:pt>
-                <c:pt idx="23">
-                  <c:v>Liberty UWB</c:v>
-                </c:pt>
-                <c:pt idx="24">
-                  <c:v>LibertyPrintEditPrintGatewayWebApplication</c:v>
-                </c:pt>
-                <c:pt idx="25">
-                  <c:v>LPASO_DEV</c:v>
-                </c:pt>
-                <c:pt idx="26">
-                  <c:v>PurpleKnot-InsureFaces</c:v>
-                </c:pt>
-                <c:pt idx="27">
-                  <c:v>Servlet and JSP Examples</c:v>
-                </c:pt>
-                <c:pt idx="28">
-                  <c:v>Tomcat Manager Application</c:v>
-                </c:pt>
-                <c:pt idx="29">
-                  <c:v>UWAUTO/RAPWEB.WebApp</c:v>
-                </c:pt>
-                <c:pt idx="30">
-                  <c:v>WSAuthentication</c:v>
-                </c:pt>
-              </c:strCache>
-            </c:strRef>
-          </c:cat>
-          <c:val>
-            <c:numRef>
-              <c:f>Sheet1!$B$2:$B$32</c:f>
-              <c:numCache>
-                <c:formatCode>General</c:formatCode>
-                <c:ptCount val="31"/>
-                <c:pt idx="0">
-                  <c:v>3</c:v>
-                </c:pt>
-                <c:pt idx="1">
-                  <c:v>0</c:v>
-                </c:pt>
-                <c:pt idx="2">
-                  <c:v>0</c:v>
-                </c:pt>
-                <c:pt idx="3">
-                  <c:v>0</c:v>
-                </c:pt>
-                <c:pt idx="4">
-                  <c:v>0</c:v>
-                </c:pt>
-                <c:pt idx="5">
-                  <c:v>0</c:v>
-                </c:pt>
-                <c:pt idx="6">
-                  <c:v>10</c:v>
-                </c:pt>
-                <c:pt idx="7">
-                  <c:v>0</c:v>
-                </c:pt>
-                <c:pt idx="8">
-                  <c:v>36</c:v>
-                </c:pt>
-                <c:pt idx="9">
-                  <c:v>4</c:v>
-                </c:pt>
-                <c:pt idx="10">
-                  <c:v>3</c:v>
-                </c:pt>
-                <c:pt idx="11">
-                  <c:v>1</c:v>
-                </c:pt>
-                <c:pt idx="12">
-                  <c:v>5</c:v>
-                </c:pt>
-                <c:pt idx="13">
-                  <c:v>1</c:v>
-                </c:pt>
-                <c:pt idx="14">
-                  <c:v>0</c:v>
-                </c:pt>
-                <c:pt idx="15">
-                  <c:v>0</c:v>
-                </c:pt>
-                <c:pt idx="16">
-                  <c:v>0</c:v>
-                </c:pt>
-                <c:pt idx="17">
-                  <c:v>0</c:v>
-                </c:pt>
-                <c:pt idx="18">
-                  <c:v>0</c:v>
-                </c:pt>
-                <c:pt idx="19">
-                  <c:v>1</c:v>
-                </c:pt>
-                <c:pt idx="20">
-                  <c:v>0</c:v>
-                </c:pt>
-                <c:pt idx="21">
-                  <c:v>0</c:v>
-                </c:pt>
-                <c:pt idx="22">
-                  <c:v>0</c:v>
-                </c:pt>
-                <c:pt idx="23">
-                  <c:v>0</c:v>
-                </c:pt>
-                <c:pt idx="24">
-                  <c:v>0</c:v>
-                </c:pt>
-                <c:pt idx="25">
-                  <c:v>0</c:v>
-                </c:pt>
-                <c:pt idx="26">
-                  <c:v>0</c:v>
-                </c:pt>
-                <c:pt idx="27">
-                  <c:v>0</c:v>
-                </c:pt>
-                <c:pt idx="28">
-                  <c:v>0</c:v>
-                </c:pt>
-                <c:pt idx="29">
-                  <c:v>1</c:v>
-                </c:pt>
-                <c:pt idx="30">
-                  <c:v>0</c:v>
-                </c:pt>
-              </c:numCache>
-            </c:numRef>
-          </c:val>
-        </c:ser>
-        <c:ser>
-          <c:idx val="1"/>
-          <c:order val="1"/>
-          <c:tx>
-            <c:strRef>
-              <c:f>Sheet1!$C$1</c:f>
-              <c:strCache>
-                <c:ptCount val="1"/>
-                <c:pt idx="0">
-                  <c:v>High Vulnerabilities</c:v>
-                </c:pt>
-              </c:strCache>
-            </c:strRef>
-          </c:tx>
-          <c:cat>
-            <c:strRef>
-              <c:f>Sheet1!$A$2:$A$32</c:f>
-              <c:strCache>
-                <c:ptCount val="31"/>
-                <c:pt idx="0">
-                  <c:v>ACB</c:v>
-                </c:pt>
-                <c:pt idx="1">
-                  <c:v>ACBDEV</c:v>
-                </c:pt>
-                <c:pt idx="2">
-                  <c:v>ClaimAuto/LMGNEWMAP-RDCC</c:v>
-                </c:pt>
-                <c:pt idx="3">
-                  <c:v>CRInquiry_Sys</c:v>
-                </c:pt>
-                <c:pt idx="4">
-                  <c:v>Default Web Application</c:v>
-                </c:pt>
-                <c:pt idx="5">
-                  <c:v>DMS/dms.portal</c:v>
-                </c:pt>
-                <c:pt idx="6">
-                  <c:v>GRM-GRM_East-HongKong-WebApp01</c:v>
-                </c:pt>
-                <c:pt idx="7">
-                  <c:v>GRM-GRM_East-Singapore-B2C</c:v>
-                </c:pt>
-                <c:pt idx="8">
-                  <c:v>GRM-GRM_East-Thailand-EAppraisal2</c:v>
-                </c:pt>
-                <c:pt idx="9">
-                  <c:v>GRM-GRM_East-Thailand-LCIS</c:v>
-                </c:pt>
-                <c:pt idx="10">
-                  <c:v>GRM-GRM_East-Thailand-LMGWebMonitoring</c:v>
-                </c:pt>
-                <c:pt idx="11">
-                  <c:v>GRM-GRM_East-Thailand-ProducerPortal</c:v>
-                </c:pt>
-                <c:pt idx="12">
-                  <c:v>GRM-GRM_East-Thailand-Webservices</c:v>
-                </c:pt>
-                <c:pt idx="13">
-                  <c:v>GRM-GRM_East-Vietnam-LibertyWorkflow</c:v>
-                </c:pt>
-                <c:pt idx="14">
-                  <c:v>GRM-GRM_West-Ireland-Ebusiness</c:v>
-                </c:pt>
-                <c:pt idx="15">
-                  <c:v>GRM-GRM_West-Ireland-Ebusiness-Sandpit</c:v>
-                </c:pt>
-                <c:pt idx="16">
-                  <c:v>GRM-GRM_West-Ireland-EService</c:v>
-                </c:pt>
-                <c:pt idx="17">
-                  <c:v>GRM-GRM_West-Ireland-IFI</c:v>
-                </c:pt>
-                <c:pt idx="18">
-                  <c:v>GRM-GRM_West-Spain-Liferay</c:v>
-                </c:pt>
-                <c:pt idx="19">
-                  <c:v>GRM-GRM_West-Spain-Mediadores</c:v>
-                </c:pt>
-                <c:pt idx="20">
-                  <c:v>InsureFaces Internet</c:v>
-                </c:pt>
-                <c:pt idx="21">
-                  <c:v>InsureFacesWebServices</c:v>
-                </c:pt>
-                <c:pt idx="22">
-                  <c:v>isclite</c:v>
-                </c:pt>
-                <c:pt idx="23">
-                  <c:v>Liberty UWB</c:v>
-                </c:pt>
-                <c:pt idx="24">
-                  <c:v>LibertyPrintEditPrintGatewayWebApplication</c:v>
-                </c:pt>
-                <c:pt idx="25">
-                  <c:v>LPASO_DEV</c:v>
-                </c:pt>
-                <c:pt idx="26">
-                  <c:v>PurpleKnot-InsureFaces</c:v>
-                </c:pt>
-                <c:pt idx="27">
-                  <c:v>Servlet and JSP Examples</c:v>
-                </c:pt>
-                <c:pt idx="28">
-                  <c:v>Tomcat Manager Application</c:v>
-                </c:pt>
-                <c:pt idx="29">
-                  <c:v>UWAUTO/RAPWEB.WebApp</c:v>
-                </c:pt>
-                <c:pt idx="30">
-                  <c:v>WSAuthentication</c:v>
-                </c:pt>
-              </c:strCache>
-            </c:strRef>
-          </c:cat>
-          <c:val>
-            <c:numRef>
-              <c:f>Sheet1!$C$2:$C$32</c:f>
-              <c:numCache>
-                <c:formatCode>General</c:formatCode>
-                <c:ptCount val="31"/>
-                <c:pt idx="0">
-                  <c:v>16</c:v>
-                </c:pt>
-                <c:pt idx="1">
-                  <c:v>2</c:v>
-                </c:pt>
-                <c:pt idx="2">
-                  <c:v>2</c:v>
-                </c:pt>
-                <c:pt idx="3">
-                  <c:v>3</c:v>
-                </c:pt>
-                <c:pt idx="4">
-                  <c:v>1</c:v>
-                </c:pt>
-                <c:pt idx="5">
-                  <c:v>1</c:v>
-                </c:pt>
-                <c:pt idx="6">
-                  <c:v>7</c:v>
-                </c:pt>
-                <c:pt idx="7">
-                  <c:v>5</c:v>
-                </c:pt>
-                <c:pt idx="8">
-                  <c:v>5</c:v>
-                </c:pt>
-                <c:pt idx="9">
-                  <c:v>0</c:v>
-                </c:pt>
-                <c:pt idx="10">
-                  <c:v>0</c:v>
-                </c:pt>
-                <c:pt idx="11">
-                  <c:v>3</c:v>
-                </c:pt>
-                <c:pt idx="12">
-                  <c:v>4</c:v>
-                </c:pt>
-                <c:pt idx="13">
-                  <c:v>69</c:v>
-                </c:pt>
-                <c:pt idx="14">
-                  <c:v>13</c:v>
-                </c:pt>
-                <c:pt idx="15">
-                  <c:v>2</c:v>
-                </c:pt>
-                <c:pt idx="16">
-                  <c:v>1</c:v>
-                </c:pt>
-                <c:pt idx="17">
-                  <c:v>9</c:v>
-                </c:pt>
-                <c:pt idx="18">
-                  <c:v>66</c:v>
-                </c:pt>
-                <c:pt idx="19">
-                  <c:v>46</c:v>
-                </c:pt>
-                <c:pt idx="20">
-                  <c:v>14</c:v>
-                </c:pt>
-                <c:pt idx="21">
-                  <c:v>1</c:v>
-                </c:pt>
-                <c:pt idx="22">
-                  <c:v>10</c:v>
-                </c:pt>
-                <c:pt idx="23">
-                  <c:v>1</c:v>
-                </c:pt>
-                <c:pt idx="24">
-                  <c:v>5</c:v>
-                </c:pt>
-                <c:pt idx="25">
-                  <c:v>2</c:v>
-                </c:pt>
-                <c:pt idx="26">
-                  <c:v>23</c:v>
-                </c:pt>
-                <c:pt idx="27">
-                  <c:v>1</c:v>
-                </c:pt>
-                <c:pt idx="28">
-                  <c:v>5</c:v>
-                </c:pt>
-                <c:pt idx="29">
-                  <c:v>0</c:v>
-                </c:pt>
-                <c:pt idx="30">
-                  <c:v>2</c:v>
-                </c:pt>
-              </c:numCache>
-            </c:numRef>
-          </c:val>
-        </c:ser>
-        <c:axId val="-2068027336"/>
-        <c:axId val="-2113994440"/>
-      </c:barChart>
-      <c:catAx>
-        <c:axId val="-2068027336"/>
-        <c:scaling>
-          <c:orientation val="minMax"/>
-        </c:scaling>
-        <c:delete val="0"/>
-        <c:axPos val="b"/>
-        <c:majorTickMark val="out"/>
-        <c:minorTickMark val="none"/>
-        <c:tickLblPos val="nextTo"/>
-        <c:crossAx val="-2113994440"/>
-        <c:crosses val="autoZero"/>
-        <c:auto val="1"/>
-        <c:lblAlgn val="ctr"/>
-        <c:lblOffset val="100"/>
-        <c:noMultiLvlLbl val="0"/>
-      </c:catAx>
-      <c:valAx>
-        <c:axId val="-2113994440"/>
-        <c:scaling/>
-        <c:delete val="0"/>
-        <c:axPos val="l"/>
-        <c:majorGridlines/>
-        <c:majorTickMark val="out"/>
-        <c:minorTickMark val="none"/>
-        <c:tickLblPos val="nextTo"/>
-        <c:crossAx val="-2068027336"/>
-        <c:crosses val="autoZero"/>
-      </c:valAx>
-    </c:plotArea>
-    <c:dispBlanksAs val="gap"/>
-  </c:chart>
-  <c:txPr>
-    <a:bodyPr/>
-    <a:lstStyle/>
-    <a:p>
-      <a:pPr>
-        <a:defRPr sz="1800"/>
-      </a:pPr>
-      <a:endParaRPr lang="en-US"/>
-    </a:p>
-  </c:txPr>
-  <c:externalData r:id="rId1">
-    <c:autoUpdate val="0"/>
-  </c:externalData>
-</c:chartSpace>
-</file>
-
-<file path=ppt/charts/chart2.xml><?xml version="1.0" encoding="utf-8"?>
-<c:chartSpace xmlns:c="http://schemas.openxmlformats.org/drawingml/2006/chart" xmlns:a="http://schemas.openxmlformats.org/drawingml/2006/main" xmlns:r="http://schemas.openxmlformats.org/officeDocument/2006/relationships">
-  <c:date1904 val="0"/>
-  <c:chart>
-    <c:plotArea>
-      <c:barChart>
-        <c:barDir val="col"/>
-        <c:grouping val="clustered"/>
-        <c:ser>
-          <c:idx val="0"/>
-          <c:order val="0"/>
-          <c:tx>
-            <c:strRef>
-              <c:f>Sheet1!$B$1</c:f>
-              <c:strCache>
-                <c:ptCount val="1"/>
-                <c:pt idx="0">
-                  <c:v>Critical Vulnerabilities</c:v>
-                </c:pt>
-              </c:strCache>
-            </c:strRef>
-          </c:tx>
-          <c:cat>
-            <c:strRef>
-              <c:f>Sheet1!$A$2:$A$32</c:f>
-              <c:strCache>
-                <c:ptCount val="31"/>
-                <c:pt idx="0">
-                  <c:v>ACB</c:v>
-                </c:pt>
-                <c:pt idx="1">
-                  <c:v>ACBDEV</c:v>
-                </c:pt>
-                <c:pt idx="2">
-                  <c:v>ClaimAuto/LMGNEWMAP-RDCC</c:v>
-                </c:pt>
-                <c:pt idx="3">
-                  <c:v>CRInquiry_Sys</c:v>
-                </c:pt>
-                <c:pt idx="4">
-                  <c:v>Default Web Application</c:v>
-                </c:pt>
-                <c:pt idx="5">
-                  <c:v>DMS/dms.portal</c:v>
-                </c:pt>
-                <c:pt idx="6">
-                  <c:v>GRM-GRM_East-HongKong-WebApp01</c:v>
-                </c:pt>
-                <c:pt idx="7">
-                  <c:v>GRM-GRM_East-Singapore-B2C</c:v>
-                </c:pt>
-                <c:pt idx="8">
-                  <c:v>GRM-GRM_East-Thailand-EAppraisal2</c:v>
-                </c:pt>
-                <c:pt idx="9">
-                  <c:v>GRM-GRM_East-Thailand-LCIS</c:v>
-                </c:pt>
-                <c:pt idx="10">
-                  <c:v>GRM-GRM_East-Thailand-LMGWebMonitoring</c:v>
-                </c:pt>
-                <c:pt idx="11">
-                  <c:v>GRM-GRM_East-Thailand-ProducerPortal</c:v>
-                </c:pt>
-                <c:pt idx="12">
-                  <c:v>GRM-GRM_East-Thailand-Webservices</c:v>
-                </c:pt>
-                <c:pt idx="13">
-                  <c:v>GRM-GRM_East-Vietnam-LibertyWorkflow</c:v>
-                </c:pt>
-                <c:pt idx="14">
-                  <c:v>GRM-GRM_West-Ireland-Ebusiness</c:v>
-                </c:pt>
-                <c:pt idx="15">
-                  <c:v>GRM-GRM_West-Ireland-Ebusiness-Sandpit</c:v>
-                </c:pt>
-                <c:pt idx="16">
-                  <c:v>GRM-GRM_West-Ireland-EService</c:v>
-                </c:pt>
-                <c:pt idx="17">
-                  <c:v>GRM-GRM_West-Ireland-IFI</c:v>
-                </c:pt>
-                <c:pt idx="18">
-                  <c:v>GRM-GRM_West-Spain-Liferay</c:v>
-                </c:pt>
-                <c:pt idx="19">
-                  <c:v>GRM-GRM_West-Spain-Mediadores</c:v>
-                </c:pt>
-                <c:pt idx="20">
-                  <c:v>InsureFaces Internet</c:v>
-                </c:pt>
-                <c:pt idx="21">
-                  <c:v>InsureFacesWebServices</c:v>
-                </c:pt>
-                <c:pt idx="22">
-                  <c:v>isclite</c:v>
-                </c:pt>
-                <c:pt idx="23">
-                  <c:v>Liberty UWB</c:v>
-                </c:pt>
-                <c:pt idx="24">
-                  <c:v>LibertyPrintEditPrintGatewayWebApplication</c:v>
-                </c:pt>
-                <c:pt idx="25">
-                  <c:v>LPASO_DEV</c:v>
-                </c:pt>
-                <c:pt idx="26">
-                  <c:v>PurpleKnot-InsureFaces</c:v>
-                </c:pt>
-                <c:pt idx="27">
-                  <c:v>Servlet and JSP Examples</c:v>
-                </c:pt>
-                <c:pt idx="28">
-                  <c:v>Tomcat Manager Application</c:v>
-                </c:pt>
-                <c:pt idx="29">
-                  <c:v>UWAUTO/RAPWEB.WebApp</c:v>
-                </c:pt>
-                <c:pt idx="30">
-                  <c:v>WSAuthentication</c:v>
-                </c:pt>
-              </c:strCache>
-            </c:strRef>
-          </c:cat>
-          <c:val>
-            <c:numRef>
-              <c:f>Sheet1!$B$2:$B$32</c:f>
-              <c:numCache>
-                <c:formatCode>General</c:formatCode>
-                <c:ptCount val="31"/>
-                <c:pt idx="0">
-                  <c:v>3</c:v>
-                </c:pt>
-                <c:pt idx="1">
-                  <c:v>0</c:v>
-                </c:pt>
-                <c:pt idx="2">
-                  <c:v>0</c:v>
-                </c:pt>
-                <c:pt idx="3">
-                  <c:v>0</c:v>
-                </c:pt>
-                <c:pt idx="4">
-                  <c:v>0</c:v>
-                </c:pt>
-                <c:pt idx="5">
-                  <c:v>0</c:v>
-                </c:pt>
-                <c:pt idx="6">
-                  <c:v>10</c:v>
-                </c:pt>
-                <c:pt idx="7">
-                  <c:v>0</c:v>
-                </c:pt>
-                <c:pt idx="8">
-                  <c:v>36</c:v>
-                </c:pt>
-                <c:pt idx="9">
-                  <c:v>4</c:v>
-                </c:pt>
-                <c:pt idx="10">
-                  <c:v>3</c:v>
-                </c:pt>
-                <c:pt idx="11">
-                  <c:v>1</c:v>
-                </c:pt>
-                <c:pt idx="12">
-                  <c:v>5</c:v>
-                </c:pt>
-                <c:pt idx="13">
-                  <c:v>1</c:v>
-                </c:pt>
-                <c:pt idx="14">
-                  <c:v>0</c:v>
-                </c:pt>
-                <c:pt idx="15">
-                  <c:v>0</c:v>
-                </c:pt>
-                <c:pt idx="16">
-                  <c:v>0</c:v>
-                </c:pt>
-                <c:pt idx="17">
-                  <c:v>0</c:v>
-                </c:pt>
-                <c:pt idx="18">
-                  <c:v>0</c:v>
-                </c:pt>
-                <c:pt idx="19">
-                  <c:v>1</c:v>
-                </c:pt>
-                <c:pt idx="20">
-                  <c:v>0</c:v>
-                </c:pt>
-                <c:pt idx="21">
-                  <c:v>0</c:v>
-                </c:pt>
-                <c:pt idx="22">
-                  <c:v>0</c:v>
-                </c:pt>
-                <c:pt idx="23">
-                  <c:v>0</c:v>
-                </c:pt>
-                <c:pt idx="24">
-                  <c:v>0</c:v>
-                </c:pt>
-                <c:pt idx="25">
-                  <c:v>0</c:v>
-                </c:pt>
-                <c:pt idx="26">
-                  <c:v>0</c:v>
-                </c:pt>
-                <c:pt idx="27">
-                  <c:v>0</c:v>
-                </c:pt>
-                <c:pt idx="28">
-                  <c:v>0</c:v>
-                </c:pt>
-                <c:pt idx="29">
-                  <c:v>1</c:v>
-                </c:pt>
-                <c:pt idx="30">
-                  <c:v>0</c:v>
-                </c:pt>
-              </c:numCache>
-            </c:numRef>
-          </c:val>
-        </c:ser>
-        <c:ser>
-          <c:idx val="1"/>
-          <c:order val="1"/>
-          <c:tx>
-            <c:strRef>
-              <c:f>Sheet1!$C$1</c:f>
-              <c:strCache>
-                <c:ptCount val="1"/>
-                <c:pt idx="0">
-                  <c:v>High Vulnerabilities</c:v>
-                </c:pt>
-              </c:strCache>
-            </c:strRef>
-          </c:tx>
-          <c:cat>
-            <c:strRef>
-              <c:f>Sheet1!$A$2:$A$32</c:f>
-              <c:strCache>
-                <c:ptCount val="31"/>
-                <c:pt idx="0">
-                  <c:v>ACB</c:v>
-                </c:pt>
-                <c:pt idx="1">
-                  <c:v>ACBDEV</c:v>
-                </c:pt>
-                <c:pt idx="2">
-                  <c:v>ClaimAuto/LMGNEWMAP-RDCC</c:v>
-                </c:pt>
-                <c:pt idx="3">
-                  <c:v>CRInquiry_Sys</c:v>
-                </c:pt>
-                <c:pt idx="4">
-                  <c:v>Default Web Application</c:v>
-                </c:pt>
-                <c:pt idx="5">
-                  <c:v>DMS/dms.portal</c:v>
-                </c:pt>
-                <c:pt idx="6">
-                  <c:v>GRM-GRM_East-HongKong-WebApp01</c:v>
-                </c:pt>
-                <c:pt idx="7">
-                  <c:v>GRM-GRM_East-Singapore-B2C</c:v>
-                </c:pt>
-                <c:pt idx="8">
-                  <c:v>GRM-GRM_East-Thailand-EAppraisal2</c:v>
-                </c:pt>
-                <c:pt idx="9">
-                  <c:v>GRM-GRM_East-Thailand-LCIS</c:v>
-                </c:pt>
-                <c:pt idx="10">
-                  <c:v>GRM-GRM_East-Thailand-LMGWebMonitoring</c:v>
-                </c:pt>
-                <c:pt idx="11">
-                  <c:v>GRM-GRM_East-Thailand-ProducerPortal</c:v>
-                </c:pt>
-                <c:pt idx="12">
-                  <c:v>GRM-GRM_East-Thailand-Webservices</c:v>
-                </c:pt>
-                <c:pt idx="13">
-                  <c:v>GRM-GRM_East-Vietnam-LibertyWorkflow</c:v>
-                </c:pt>
-                <c:pt idx="14">
-                  <c:v>GRM-GRM_West-Ireland-Ebusiness</c:v>
-                </c:pt>
-                <c:pt idx="15">
-                  <c:v>GRM-GRM_West-Ireland-Ebusiness-Sandpit</c:v>
-                </c:pt>
-                <c:pt idx="16">
-                  <c:v>GRM-GRM_West-Ireland-EService</c:v>
-                </c:pt>
-                <c:pt idx="17">
-                  <c:v>GRM-GRM_West-Ireland-IFI</c:v>
-                </c:pt>
-                <c:pt idx="18">
-                  <c:v>GRM-GRM_West-Spain-Liferay</c:v>
-                </c:pt>
-                <c:pt idx="19">
-                  <c:v>GRM-GRM_West-Spain-Mediadores</c:v>
-                </c:pt>
-                <c:pt idx="20">
-                  <c:v>InsureFaces Internet</c:v>
-                </c:pt>
-                <c:pt idx="21">
-                  <c:v>InsureFacesWebServices</c:v>
-                </c:pt>
-                <c:pt idx="22">
-                  <c:v>isclite</c:v>
-                </c:pt>
-                <c:pt idx="23">
-                  <c:v>Liberty UWB</c:v>
-                </c:pt>
-                <c:pt idx="24">
-                  <c:v>LibertyPrintEditPrintGatewayWebApplication</c:v>
-                </c:pt>
-                <c:pt idx="25">
-                  <c:v>LPASO_DEV</c:v>
-                </c:pt>
-                <c:pt idx="26">
-                  <c:v>PurpleKnot-InsureFaces</c:v>
-                </c:pt>
-                <c:pt idx="27">
-                  <c:v>Servlet and JSP Examples</c:v>
-                </c:pt>
-                <c:pt idx="28">
-                  <c:v>Tomcat Manager Application</c:v>
-                </c:pt>
-                <c:pt idx="29">
-                  <c:v>UWAUTO/RAPWEB.WebApp</c:v>
-                </c:pt>
-                <c:pt idx="30">
-                  <c:v>WSAuthentication</c:v>
-                </c:pt>
-              </c:strCache>
-            </c:strRef>
-          </c:cat>
-          <c:val>
-            <c:numRef>
-              <c:f>Sheet1!$C$2:$C$32</c:f>
-              <c:numCache>
-                <c:formatCode>General</c:formatCode>
-                <c:ptCount val="31"/>
-                <c:pt idx="0">
-                  <c:v>16</c:v>
-                </c:pt>
-                <c:pt idx="1">
-                  <c:v>2</c:v>
-                </c:pt>
-                <c:pt idx="2">
-                  <c:v>2</c:v>
-                </c:pt>
-                <c:pt idx="3">
-                  <c:v>3</c:v>
-                </c:pt>
-                <c:pt idx="4">
-                  <c:v>1</c:v>
-                </c:pt>
-                <c:pt idx="5">
-                  <c:v>1</c:v>
-                </c:pt>
-                <c:pt idx="6">
-                  <c:v>7</c:v>
-                </c:pt>
-                <c:pt idx="7">
-                  <c:v>5</c:v>
-                </c:pt>
-                <c:pt idx="8">
-                  <c:v>5</c:v>
-                </c:pt>
-                <c:pt idx="9">
-                  <c:v>0</c:v>
-                </c:pt>
-                <c:pt idx="10">
-                  <c:v>0</c:v>
-                </c:pt>
-                <c:pt idx="11">
-                  <c:v>3</c:v>
-                </c:pt>
-                <c:pt idx="12">
-                  <c:v>4</c:v>
-                </c:pt>
-                <c:pt idx="13">
-                  <c:v>69</c:v>
-                </c:pt>
-                <c:pt idx="14">
-                  <c:v>13</c:v>
-                </c:pt>
-                <c:pt idx="15">
-                  <c:v>2</c:v>
-                </c:pt>
-                <c:pt idx="16">
-                  <c:v>1</c:v>
-                </c:pt>
-                <c:pt idx="17">
-                  <c:v>9</c:v>
-                </c:pt>
-                <c:pt idx="18">
-                  <c:v>66</c:v>
-                </c:pt>
-                <c:pt idx="19">
-                  <c:v>46</c:v>
-                </c:pt>
-                <c:pt idx="20">
-                  <c:v>14</c:v>
-                </c:pt>
-                <c:pt idx="21">
-                  <c:v>1</c:v>
-                </c:pt>
-                <c:pt idx="22">
-                  <c:v>10</c:v>
-                </c:pt>
-                <c:pt idx="23">
-                  <c:v>1</c:v>
-                </c:pt>
-                <c:pt idx="24">
-                  <c:v>5</c:v>
-                </c:pt>
-                <c:pt idx="25">
-                  <c:v>2</c:v>
-                </c:pt>
-                <c:pt idx="26">
-                  <c:v>23</c:v>
-                </c:pt>
-                <c:pt idx="27">
-                  <c:v>1</c:v>
-                </c:pt>
-                <c:pt idx="28">
-                  <c:v>5</c:v>
-                </c:pt>
-                <c:pt idx="29">
-                  <c:v>0</c:v>
-                </c:pt>
-                <c:pt idx="30">
-                  <c:v>2</c:v>
-                </c:pt>
-              </c:numCache>
-            </c:numRef>
-          </c:val>
-        </c:ser>
-        <c:axId val="-2068027336"/>
-        <c:axId val="-2113994440"/>
-      </c:barChart>
-      <c:catAx>
-        <c:axId val="-2068027336"/>
-        <c:scaling>
-          <c:orientation val="minMax"/>
-        </c:scaling>
-        <c:delete val="0"/>
-        <c:axPos val="b"/>
-        <c:majorTickMark val="out"/>
-        <c:minorTickMark val="none"/>
-        <c:tickLblPos val="nextTo"/>
-        <c:crossAx val="-2113994440"/>
-        <c:crosses val="autoZero"/>
-        <c:auto val="1"/>
-        <c:lblAlgn val="ctr"/>
-        <c:lblOffset val="100"/>
-        <c:noMultiLvlLbl val="0"/>
-      </c:catAx>
-      <c:valAx>
-        <c:axId val="-2113994440"/>
-        <c:scaling/>
-        <c:delete val="0"/>
-        <c:axPos val="l"/>
-        <c:majorGridlines/>
-        <c:majorTickMark val="out"/>
-        <c:minorTickMark val="none"/>
-        <c:tickLblPos val="nextTo"/>
-        <c:crossAx val="-2068027336"/>
-        <c:crosses val="autoZero"/>
-      </c:valAx>
-    </c:plotArea>
-    <c:dispBlanksAs val="gap"/>
-  </c:chart>
-  <c:txPr>
-    <a:bodyPr/>
-    <a:lstStyle/>
-    <a:p>
-      <a:pPr>
-        <a:defRPr sz="1800"/>
-      </a:pPr>
-      <a:endParaRPr lang="en-US"/>
-    </a:p>
-  </c:txPr>
-  <c:externalData r:id="rId1">
-    <c:autoUpdate val="0"/>
-  </c:externalData>
-</c:chartSpace>
-</file>
-
-<file path=ppt/charts/chart3.xml><?xml version="1.0" encoding="utf-8"?>
-<c:chartSpace xmlns:c="http://schemas.openxmlformats.org/drawingml/2006/chart" xmlns:a="http://schemas.openxmlformats.org/drawingml/2006/main" xmlns:r="http://schemas.openxmlformats.org/officeDocument/2006/relationships">
-  <c:date1904 val="0"/>
-  <c:chart>
-    <c:plotArea>
-      <c:barChart>
-        <c:barDir val="col"/>
-        <c:grouping val="clustered"/>
-        <c:ser>
-          <c:idx val="0"/>
-          <c:order val="0"/>
-          <c:tx>
-            <c:strRef>
-              <c:f>Sheet1!$B$1</c:f>
-              <c:strCache>
-                <c:ptCount val="1"/>
-                <c:pt idx="0">
-                  <c:v>Critical Vulnerabilities</c:v>
-                </c:pt>
-              </c:strCache>
-            </c:strRef>
-          </c:tx>
-          <c:cat>
-            <c:strRef>
-              <c:f>Sheet1!$A$2:$A$32</c:f>
-              <c:strCache>
-                <c:ptCount val="31"/>
-                <c:pt idx="0">
-                  <c:v>ACB</c:v>
-                </c:pt>
-                <c:pt idx="1">
-                  <c:v>ACBDEV</c:v>
-                </c:pt>
-                <c:pt idx="2">
-                  <c:v>ClaimAuto/LMGNEWMAP-RDCC</c:v>
-                </c:pt>
-                <c:pt idx="3">
-                  <c:v>CRInquiry_Sys</c:v>
-                </c:pt>
-                <c:pt idx="4">
-                  <c:v>Default Web Application</c:v>
-                </c:pt>
-                <c:pt idx="5">
-                  <c:v>DMS/dms.portal</c:v>
-                </c:pt>
-                <c:pt idx="6">
-                  <c:v>GRM-GRM_East-HongKong-WebApp01</c:v>
-                </c:pt>
-                <c:pt idx="7">
-                  <c:v>GRM-GRM_East-Singapore-B2C</c:v>
-                </c:pt>
-                <c:pt idx="8">
-                  <c:v>GRM-GRM_East-Thailand-EAppraisal2</c:v>
-                </c:pt>
-                <c:pt idx="9">
-                  <c:v>GRM-GRM_East-Thailand-LCIS</c:v>
-                </c:pt>
-                <c:pt idx="10">
-                  <c:v>GRM-GRM_East-Thailand-LMGWebMonitoring</c:v>
-                </c:pt>
-                <c:pt idx="11">
-                  <c:v>GRM-GRM_East-Thailand-ProducerPortal</c:v>
-                </c:pt>
-                <c:pt idx="12">
-                  <c:v>GRM-GRM_East-Thailand-Webservices</c:v>
-                </c:pt>
-                <c:pt idx="13">
-                  <c:v>GRM-GRM_East-Vietnam-LibertyWorkflow</c:v>
-                </c:pt>
-                <c:pt idx="14">
-                  <c:v>GRM-GRM_West-Ireland-Ebusiness</c:v>
-                </c:pt>
-                <c:pt idx="15">
-                  <c:v>GRM-GRM_West-Ireland-Ebusiness-Sandpit</c:v>
-                </c:pt>
-                <c:pt idx="16">
-                  <c:v>GRM-GRM_West-Ireland-EService</c:v>
-                </c:pt>
-                <c:pt idx="17">
-                  <c:v>GRM-GRM_West-Ireland-IFI</c:v>
-                </c:pt>
-                <c:pt idx="18">
-                  <c:v>GRM-GRM_West-Spain-Liferay</c:v>
-                </c:pt>
-                <c:pt idx="19">
-                  <c:v>GRM-GRM_West-Spain-Mediadores</c:v>
-                </c:pt>
-                <c:pt idx="20">
-                  <c:v>InsureFaces Internet</c:v>
-                </c:pt>
-                <c:pt idx="21">
-                  <c:v>InsureFacesWebServices</c:v>
-                </c:pt>
-                <c:pt idx="22">
-                  <c:v>isclite</c:v>
-                </c:pt>
-                <c:pt idx="23">
-                  <c:v>Liberty UWB</c:v>
-                </c:pt>
-                <c:pt idx="24">
-                  <c:v>LibertyPrintEditPrintGatewayWebApplication</c:v>
-                </c:pt>
-                <c:pt idx="25">
-                  <c:v>LPASO_DEV</c:v>
-                </c:pt>
-                <c:pt idx="26">
-                  <c:v>PurpleKnot-InsureFaces</c:v>
-                </c:pt>
-                <c:pt idx="27">
-                  <c:v>Servlet and JSP Examples</c:v>
-                </c:pt>
-                <c:pt idx="28">
-                  <c:v>Tomcat Manager Application</c:v>
-                </c:pt>
-                <c:pt idx="29">
-                  <c:v>UWAUTO/RAPWEB.WebApp</c:v>
-                </c:pt>
-                <c:pt idx="30">
-                  <c:v>WSAuthentication</c:v>
-                </c:pt>
-              </c:strCache>
-            </c:strRef>
-          </c:cat>
-          <c:val>
-            <c:numRef>
-              <c:f>Sheet1!$B$2:$B$32</c:f>
-              <c:numCache>
-                <c:formatCode>General</c:formatCode>
-                <c:ptCount val="31"/>
-                <c:pt idx="0">
-                  <c:v>3</c:v>
-                </c:pt>
-                <c:pt idx="1">
-                  <c:v>0</c:v>
-                </c:pt>
-                <c:pt idx="2">
-                  <c:v>0</c:v>
-                </c:pt>
-                <c:pt idx="3">
-                  <c:v>0</c:v>
-                </c:pt>
-                <c:pt idx="4">
-                  <c:v>0</c:v>
-                </c:pt>
-                <c:pt idx="5">
-                  <c:v>0</c:v>
-                </c:pt>
-                <c:pt idx="6">
-                  <c:v>10</c:v>
-                </c:pt>
-                <c:pt idx="7">
-                  <c:v>0</c:v>
-                </c:pt>
-                <c:pt idx="8">
-                  <c:v>36</c:v>
-                </c:pt>
-                <c:pt idx="9">
-                  <c:v>4</c:v>
-                </c:pt>
-                <c:pt idx="10">
-                  <c:v>3</c:v>
-                </c:pt>
-                <c:pt idx="11">
-                  <c:v>1</c:v>
-                </c:pt>
-                <c:pt idx="12">
-                  <c:v>5</c:v>
-                </c:pt>
-                <c:pt idx="13">
-                  <c:v>1</c:v>
-                </c:pt>
-                <c:pt idx="14">
-                  <c:v>0</c:v>
-                </c:pt>
-                <c:pt idx="15">
-                  <c:v>0</c:v>
-                </c:pt>
-                <c:pt idx="16">
-                  <c:v>0</c:v>
-                </c:pt>
-                <c:pt idx="17">
-                  <c:v>0</c:v>
-                </c:pt>
-                <c:pt idx="18">
-                  <c:v>0</c:v>
-                </c:pt>
-                <c:pt idx="19">
-                  <c:v>1</c:v>
-                </c:pt>
-                <c:pt idx="20">
-                  <c:v>0</c:v>
-                </c:pt>
-                <c:pt idx="21">
-                  <c:v>0</c:v>
-                </c:pt>
-                <c:pt idx="22">
-                  <c:v>0</c:v>
-                </c:pt>
-                <c:pt idx="23">
-                  <c:v>0</c:v>
-                </c:pt>
-                <c:pt idx="24">
-                  <c:v>0</c:v>
-                </c:pt>
-                <c:pt idx="25">
-                  <c:v>0</c:v>
-                </c:pt>
-                <c:pt idx="26">
-                  <c:v>0</c:v>
-                </c:pt>
-                <c:pt idx="27">
-                  <c:v>0</c:v>
-                </c:pt>
-                <c:pt idx="28">
-                  <c:v>0</c:v>
-                </c:pt>
-                <c:pt idx="29">
-                  <c:v>1</c:v>
-                </c:pt>
-                <c:pt idx="30">
-                  <c:v>0</c:v>
-                </c:pt>
-              </c:numCache>
-            </c:numRef>
-          </c:val>
-        </c:ser>
-        <c:ser>
-          <c:idx val="1"/>
-          <c:order val="1"/>
-          <c:tx>
-            <c:strRef>
-              <c:f>Sheet1!$C$1</c:f>
-              <c:strCache>
-                <c:ptCount val="1"/>
-                <c:pt idx="0">
-                  <c:v>High Vulnerabilities</c:v>
-                </c:pt>
-              </c:strCache>
-            </c:strRef>
-          </c:tx>
-          <c:cat>
-            <c:strRef>
-              <c:f>Sheet1!$A$2:$A$32</c:f>
-              <c:strCache>
-                <c:ptCount val="31"/>
-                <c:pt idx="0">
-                  <c:v>ACB</c:v>
-                </c:pt>
-                <c:pt idx="1">
-                  <c:v>ACBDEV</c:v>
-                </c:pt>
-                <c:pt idx="2">
-                  <c:v>ClaimAuto/LMGNEWMAP-RDCC</c:v>
-                </c:pt>
-                <c:pt idx="3">
-                  <c:v>CRInquiry_Sys</c:v>
-                </c:pt>
-                <c:pt idx="4">
-                  <c:v>Default Web Application</c:v>
-                </c:pt>
-                <c:pt idx="5">
-                  <c:v>DMS/dms.portal</c:v>
-                </c:pt>
-                <c:pt idx="6">
-                  <c:v>GRM-GRM_East-HongKong-WebApp01</c:v>
-                </c:pt>
-                <c:pt idx="7">
-                  <c:v>GRM-GRM_East-Singapore-B2C</c:v>
-                </c:pt>
-                <c:pt idx="8">
-                  <c:v>GRM-GRM_East-Thailand-EAppraisal2</c:v>
-                </c:pt>
-                <c:pt idx="9">
-                  <c:v>GRM-GRM_East-Thailand-LCIS</c:v>
-                </c:pt>
-                <c:pt idx="10">
-                  <c:v>GRM-GRM_East-Thailand-LMGWebMonitoring</c:v>
-                </c:pt>
-                <c:pt idx="11">
-                  <c:v>GRM-GRM_East-Thailand-ProducerPortal</c:v>
-                </c:pt>
-                <c:pt idx="12">
-                  <c:v>GRM-GRM_East-Thailand-Webservices</c:v>
-                </c:pt>
-                <c:pt idx="13">
-                  <c:v>GRM-GRM_East-Vietnam-LibertyWorkflow</c:v>
-                </c:pt>
-                <c:pt idx="14">
-                  <c:v>GRM-GRM_West-Ireland-Ebusiness</c:v>
-                </c:pt>
-                <c:pt idx="15">
-                  <c:v>GRM-GRM_West-Ireland-Ebusiness-Sandpit</c:v>
-                </c:pt>
-                <c:pt idx="16">
-                  <c:v>GRM-GRM_West-Ireland-EService</c:v>
-                </c:pt>
-                <c:pt idx="17">
-                  <c:v>GRM-GRM_West-Ireland-IFI</c:v>
-                </c:pt>
-                <c:pt idx="18">
-                  <c:v>GRM-GRM_West-Spain-Liferay</c:v>
-                </c:pt>
-                <c:pt idx="19">
-                  <c:v>GRM-GRM_West-Spain-Mediadores</c:v>
-                </c:pt>
-                <c:pt idx="20">
-                  <c:v>InsureFaces Internet</c:v>
-                </c:pt>
-                <c:pt idx="21">
-                  <c:v>InsureFacesWebServices</c:v>
-                </c:pt>
-                <c:pt idx="22">
-                  <c:v>isclite</c:v>
-                </c:pt>
-                <c:pt idx="23">
-                  <c:v>Liberty UWB</c:v>
-                </c:pt>
-                <c:pt idx="24">
-                  <c:v>LibertyPrintEditPrintGatewayWebApplication</c:v>
-                </c:pt>
-                <c:pt idx="25">
-                  <c:v>LPASO_DEV</c:v>
-                </c:pt>
-                <c:pt idx="26">
-                  <c:v>PurpleKnot-InsureFaces</c:v>
-                </c:pt>
-                <c:pt idx="27">
-                  <c:v>Servlet and JSP Examples</c:v>
-                </c:pt>
-                <c:pt idx="28">
-                  <c:v>Tomcat Manager Application</c:v>
-                </c:pt>
-                <c:pt idx="29">
-                  <c:v>UWAUTO/RAPWEB.WebApp</c:v>
-                </c:pt>
-                <c:pt idx="30">
-                  <c:v>WSAuthentication</c:v>
-                </c:pt>
-              </c:strCache>
-            </c:strRef>
-          </c:cat>
-          <c:val>
-            <c:numRef>
-              <c:f>Sheet1!$C$2:$C$32</c:f>
-              <c:numCache>
-                <c:formatCode>General</c:formatCode>
-                <c:ptCount val="31"/>
-                <c:pt idx="0">
-                  <c:v>16</c:v>
-                </c:pt>
-                <c:pt idx="1">
-                  <c:v>2</c:v>
-                </c:pt>
-                <c:pt idx="2">
-                  <c:v>2</c:v>
-                </c:pt>
-                <c:pt idx="3">
-                  <c:v>3</c:v>
-                </c:pt>
-                <c:pt idx="4">
-                  <c:v>1</c:v>
-                </c:pt>
-                <c:pt idx="5">
-                  <c:v>1</c:v>
-                </c:pt>
-                <c:pt idx="6">
-                  <c:v>7</c:v>
-                </c:pt>
-                <c:pt idx="7">
-                  <c:v>5</c:v>
-                </c:pt>
-                <c:pt idx="8">
-                  <c:v>5</c:v>
-                </c:pt>
-                <c:pt idx="9">
-                  <c:v>0</c:v>
-                </c:pt>
-                <c:pt idx="10">
-                  <c:v>0</c:v>
-                </c:pt>
-                <c:pt idx="11">
-                  <c:v>3</c:v>
-                </c:pt>
-                <c:pt idx="12">
-                  <c:v>4</c:v>
-                </c:pt>
-                <c:pt idx="13">
-                  <c:v>69</c:v>
-                </c:pt>
-                <c:pt idx="14">
-                  <c:v>13</c:v>
-                </c:pt>
-                <c:pt idx="15">
-                  <c:v>2</c:v>
-                </c:pt>
-                <c:pt idx="16">
-                  <c:v>1</c:v>
-                </c:pt>
-                <c:pt idx="17">
-                  <c:v>9</c:v>
-                </c:pt>
-                <c:pt idx="18">
-                  <c:v>66</c:v>
-                </c:pt>
-                <c:pt idx="19">
-                  <c:v>46</c:v>
-                </c:pt>
-                <c:pt idx="20">
-                  <c:v>14</c:v>
-                </c:pt>
-                <c:pt idx="21">
-                  <c:v>1</c:v>
-                </c:pt>
-                <c:pt idx="22">
-                  <c:v>10</c:v>
-                </c:pt>
-                <c:pt idx="23">
-                  <c:v>1</c:v>
-                </c:pt>
-                <c:pt idx="24">
-                  <c:v>5</c:v>
-                </c:pt>
-                <c:pt idx="25">
-                  <c:v>2</c:v>
-                </c:pt>
-                <c:pt idx="26">
-                  <c:v>23</c:v>
-                </c:pt>
-                <c:pt idx="27">
-                  <c:v>1</c:v>
-                </c:pt>
-                <c:pt idx="28">
-                  <c:v>5</c:v>
-                </c:pt>
-                <c:pt idx="29">
-                  <c:v>0</c:v>
-                </c:pt>
-                <c:pt idx="30">
-                  <c:v>2</c:v>
-                </c:pt>
-              </c:numCache>
-            </c:numRef>
-          </c:val>
-        </c:ser>
-        <c:axId val="-2068027336"/>
-        <c:axId val="-2113994440"/>
-      </c:barChart>
-      <c:catAx>
-        <c:axId val="-2068027336"/>
-        <c:scaling>
-          <c:orientation val="minMax"/>
-        </c:scaling>
-        <c:delete val="0"/>
-        <c:axPos val="b"/>
-        <c:majorTickMark val="out"/>
-        <c:minorTickMark val="none"/>
-        <c:tickLblPos val="nextTo"/>
-        <c:crossAx val="-2113994440"/>
-        <c:crosses val="autoZero"/>
-        <c:auto val="1"/>
-        <c:lblAlgn val="ctr"/>
-        <c:lblOffset val="100"/>
-        <c:noMultiLvlLbl val="0"/>
-      </c:catAx>
-      <c:valAx>
-        <c:axId val="-2113994440"/>
-        <c:scaling/>
-        <c:delete val="0"/>
-        <c:axPos val="l"/>
-        <c:majorGridlines/>
-        <c:majorTickMark val="out"/>
-        <c:minorTickMark val="none"/>
-        <c:tickLblPos val="nextTo"/>
-        <c:crossAx val="-2068027336"/>
-        <c:crosses val="autoZero"/>
-      </c:valAx>
-    </c:plotArea>
-    <c:dispBlanksAs val="gap"/>
-  </c:chart>
-  <c:txPr>
-    <a:bodyPr/>
-    <a:lstStyle/>
-    <a:p>
-      <a:pPr>
-        <a:defRPr sz="1800"/>
-      </a:pPr>
-      <a:endParaRPr lang="en-US"/>
-    </a:p>
-  </c:txPr>
-  <c:externalData r:id="rId1">
-    <c:autoUpdate val="0"/>
-  </c:externalData>
-</c:chartSpace>
-</file>
-
-<file path=ppt/charts/chart4.xml><?xml version="1.0" encoding="utf-8"?>
-<c:chartSpace xmlns:c="http://schemas.openxmlformats.org/drawingml/2006/chart" xmlns:a="http://schemas.openxmlformats.org/drawingml/2006/main" xmlns:r="http://schemas.openxmlformats.org/officeDocument/2006/relationships">
-  <c:date1904 val="0"/>
-  <c:chart>
-    <c:plotArea>
-      <c:barChart>
-        <c:barDir val="col"/>
-        <c:grouping val="clustered"/>
-        <c:ser>
-          <c:idx val="0"/>
-          <c:order val="0"/>
-          <c:tx>
-            <c:strRef>
-              <c:f>Sheet1!$B$1</c:f>
-              <c:strCache>
-                <c:ptCount val="1"/>
-                <c:pt idx="0">
-                  <c:v>Critical Vulnerabilities</c:v>
-                </c:pt>
-              </c:strCache>
-            </c:strRef>
-          </c:tx>
-          <c:cat>
-            <c:strRef>
-              <c:f>Sheet1!$A$2:$A$32</c:f>
-              <c:strCache>
-                <c:ptCount val="31"/>
-                <c:pt idx="0">
-                  <c:v>ACB</c:v>
-                </c:pt>
-                <c:pt idx="1">
-                  <c:v>ACBDEV</c:v>
-                </c:pt>
-                <c:pt idx="2">
-                  <c:v>ClaimAuto/LMGNEWMAP-RDCC</c:v>
-                </c:pt>
-                <c:pt idx="3">
-                  <c:v>CRInquiry_Sys</c:v>
-                </c:pt>
-                <c:pt idx="4">
-                  <c:v>Default Web Application</c:v>
-                </c:pt>
-                <c:pt idx="5">
-                  <c:v>DMS/dms.portal</c:v>
-                </c:pt>
-                <c:pt idx="6">
-                  <c:v>GRM-GRM_East-HongKong-WebApp01</c:v>
-                </c:pt>
-                <c:pt idx="7">
-                  <c:v>GRM-GRM_East-Singapore-B2C</c:v>
-                </c:pt>
-                <c:pt idx="8">
-                  <c:v>GRM-GRM_East-Thailand-EAppraisal2</c:v>
-                </c:pt>
-                <c:pt idx="9">
-                  <c:v>GRM-GRM_East-Thailand-LCIS</c:v>
-                </c:pt>
-                <c:pt idx="10">
-                  <c:v>GRM-GRM_East-Thailand-LMGWebMonitoring</c:v>
-                </c:pt>
-                <c:pt idx="11">
-                  <c:v>GRM-GRM_East-Thailand-ProducerPortal</c:v>
-                </c:pt>
-                <c:pt idx="12">
-                  <c:v>GRM-GRM_East-Thailand-Webservices</c:v>
-                </c:pt>
-                <c:pt idx="13">
-                  <c:v>GRM-GRM_East-Vietnam-LibertyWorkflow</c:v>
-                </c:pt>
-                <c:pt idx="14">
-                  <c:v>GRM-GRM_West-Ireland-Ebusiness</c:v>
-                </c:pt>
-                <c:pt idx="15">
-                  <c:v>GRM-GRM_West-Ireland-Ebusiness-Sandpit</c:v>
-                </c:pt>
-                <c:pt idx="16">
-                  <c:v>GRM-GRM_West-Ireland-EService</c:v>
-                </c:pt>
-                <c:pt idx="17">
-                  <c:v>GRM-GRM_West-Ireland-IFI</c:v>
-                </c:pt>
-                <c:pt idx="18">
-                  <c:v>GRM-GRM_West-Spain-Liferay</c:v>
-                </c:pt>
-                <c:pt idx="19">
-                  <c:v>GRM-GRM_West-Spain-Mediadores</c:v>
-                </c:pt>
-                <c:pt idx="20">
-                  <c:v>InsureFaces Internet</c:v>
-                </c:pt>
-                <c:pt idx="21">
-                  <c:v>InsureFacesWebServices</c:v>
-                </c:pt>
-                <c:pt idx="22">
-                  <c:v>isclite</c:v>
-                </c:pt>
-                <c:pt idx="23">
-                  <c:v>Liberty UWB</c:v>
-                </c:pt>
-                <c:pt idx="24">
-                  <c:v>LibertyPrintEditPrintGatewayWebApplication</c:v>
-                </c:pt>
-                <c:pt idx="25">
-                  <c:v>LPASO_DEV</c:v>
-                </c:pt>
-                <c:pt idx="26">
-                  <c:v>PurpleKnot-InsureFaces</c:v>
-                </c:pt>
-                <c:pt idx="27">
-                  <c:v>Servlet and JSP Examples</c:v>
-                </c:pt>
-                <c:pt idx="28">
-                  <c:v>Tomcat Manager Application</c:v>
-                </c:pt>
-                <c:pt idx="29">
-                  <c:v>UWAUTO/RAPWEB.WebApp</c:v>
-                </c:pt>
-                <c:pt idx="30">
-                  <c:v>WSAuthentication</c:v>
-                </c:pt>
-              </c:strCache>
-            </c:strRef>
-          </c:cat>
-          <c:val>
-            <c:numRef>
-              <c:f>Sheet1!$B$2:$B$32</c:f>
-              <c:numCache>
-                <c:formatCode>General</c:formatCode>
-                <c:ptCount val="31"/>
-                <c:pt idx="0">
-                  <c:v>3</c:v>
-                </c:pt>
-                <c:pt idx="1">
-                  <c:v>0</c:v>
-                </c:pt>
-                <c:pt idx="2">
-                  <c:v>0</c:v>
-                </c:pt>
-                <c:pt idx="3">
-                  <c:v>0</c:v>
-                </c:pt>
-                <c:pt idx="4">
-                  <c:v>0</c:v>
-                </c:pt>
-                <c:pt idx="5">
-                  <c:v>0</c:v>
-                </c:pt>
-                <c:pt idx="6">
-                  <c:v>10</c:v>
-                </c:pt>
-                <c:pt idx="7">
-                  <c:v>0</c:v>
-                </c:pt>
-                <c:pt idx="8">
-                  <c:v>36</c:v>
-                </c:pt>
-                <c:pt idx="9">
-                  <c:v>4</c:v>
-                </c:pt>
-                <c:pt idx="10">
-                  <c:v>3</c:v>
-                </c:pt>
-                <c:pt idx="11">
-                  <c:v>1</c:v>
-                </c:pt>
-                <c:pt idx="12">
-                  <c:v>5</c:v>
-                </c:pt>
-                <c:pt idx="13">
-                  <c:v>1</c:v>
-                </c:pt>
-                <c:pt idx="14">
-                  <c:v>0</c:v>
-                </c:pt>
-                <c:pt idx="15">
-                  <c:v>0</c:v>
-                </c:pt>
-                <c:pt idx="16">
-                  <c:v>0</c:v>
-                </c:pt>
-                <c:pt idx="17">
-                  <c:v>0</c:v>
-                </c:pt>
-                <c:pt idx="18">
-                  <c:v>0</c:v>
-                </c:pt>
-                <c:pt idx="19">
-                  <c:v>1</c:v>
-                </c:pt>
-                <c:pt idx="20">
-                  <c:v>0</c:v>
-                </c:pt>
-                <c:pt idx="21">
-                  <c:v>0</c:v>
-                </c:pt>
-                <c:pt idx="22">
-                  <c:v>0</c:v>
-                </c:pt>
-                <c:pt idx="23">
-                  <c:v>0</c:v>
-                </c:pt>
-                <c:pt idx="24">
-                  <c:v>0</c:v>
-                </c:pt>
-                <c:pt idx="25">
-                  <c:v>0</c:v>
-                </c:pt>
-                <c:pt idx="26">
-                  <c:v>0</c:v>
-                </c:pt>
-                <c:pt idx="27">
-                  <c:v>0</c:v>
-                </c:pt>
-                <c:pt idx="28">
-                  <c:v>0</c:v>
-                </c:pt>
-                <c:pt idx="29">
-                  <c:v>1</c:v>
-                </c:pt>
-                <c:pt idx="30">
-                  <c:v>0</c:v>
-                </c:pt>
-              </c:numCache>
-            </c:numRef>
-          </c:val>
-        </c:ser>
-        <c:ser>
-          <c:idx val="1"/>
-          <c:order val="1"/>
-          <c:tx>
-            <c:strRef>
-              <c:f>Sheet1!$C$1</c:f>
-              <c:strCache>
-                <c:ptCount val="1"/>
-                <c:pt idx="0">
-                  <c:v>High Vulnerabilities</c:v>
-                </c:pt>
-              </c:strCache>
-            </c:strRef>
-          </c:tx>
-          <c:cat>
-            <c:strRef>
-              <c:f>Sheet1!$A$2:$A$32</c:f>
-              <c:strCache>
-                <c:ptCount val="31"/>
-                <c:pt idx="0">
-                  <c:v>ACB</c:v>
-                </c:pt>
-                <c:pt idx="1">
-                  <c:v>ACBDEV</c:v>
-                </c:pt>
-                <c:pt idx="2">
-                  <c:v>ClaimAuto/LMGNEWMAP-RDCC</c:v>
-                </c:pt>
-                <c:pt idx="3">
-                  <c:v>CRInquiry_Sys</c:v>
-                </c:pt>
-                <c:pt idx="4">
-                  <c:v>Default Web Application</c:v>
-                </c:pt>
-                <c:pt idx="5">
-                  <c:v>DMS/dms.portal</c:v>
-                </c:pt>
-                <c:pt idx="6">
-                  <c:v>GRM-GRM_East-HongKong-WebApp01</c:v>
-                </c:pt>
-                <c:pt idx="7">
-                  <c:v>GRM-GRM_East-Singapore-B2C</c:v>
-                </c:pt>
-                <c:pt idx="8">
-                  <c:v>GRM-GRM_East-Thailand-EAppraisal2</c:v>
-                </c:pt>
-                <c:pt idx="9">
-                  <c:v>GRM-GRM_East-Thailand-LCIS</c:v>
-                </c:pt>
-                <c:pt idx="10">
-                  <c:v>GRM-GRM_East-Thailand-LMGWebMonitoring</c:v>
-                </c:pt>
-                <c:pt idx="11">
-                  <c:v>GRM-GRM_East-Thailand-ProducerPortal</c:v>
-                </c:pt>
-                <c:pt idx="12">
-                  <c:v>GRM-GRM_East-Thailand-Webservices</c:v>
-                </c:pt>
-                <c:pt idx="13">
-                  <c:v>GRM-GRM_East-Vietnam-LibertyWorkflow</c:v>
-                </c:pt>
-                <c:pt idx="14">
-                  <c:v>GRM-GRM_West-Ireland-Ebusiness</c:v>
-                </c:pt>
-                <c:pt idx="15">
-                  <c:v>GRM-GRM_West-Ireland-Ebusiness-Sandpit</c:v>
-                </c:pt>
-                <c:pt idx="16">
-                  <c:v>GRM-GRM_West-Ireland-EService</c:v>
-                </c:pt>
-                <c:pt idx="17">
-                  <c:v>GRM-GRM_West-Ireland-IFI</c:v>
-                </c:pt>
-                <c:pt idx="18">
-                  <c:v>GRM-GRM_West-Spain-Liferay</c:v>
-                </c:pt>
-                <c:pt idx="19">
-                  <c:v>GRM-GRM_West-Spain-Mediadores</c:v>
-                </c:pt>
-                <c:pt idx="20">
-                  <c:v>InsureFaces Internet</c:v>
-                </c:pt>
-                <c:pt idx="21">
-                  <c:v>InsureFacesWebServices</c:v>
-                </c:pt>
-                <c:pt idx="22">
-                  <c:v>isclite</c:v>
-                </c:pt>
-                <c:pt idx="23">
-                  <c:v>Liberty UWB</c:v>
-                </c:pt>
-                <c:pt idx="24">
-                  <c:v>LibertyPrintEditPrintGatewayWebApplication</c:v>
-                </c:pt>
-                <c:pt idx="25">
-                  <c:v>LPASO_DEV</c:v>
-                </c:pt>
-                <c:pt idx="26">
-                  <c:v>PurpleKnot-InsureFaces</c:v>
-                </c:pt>
-                <c:pt idx="27">
-                  <c:v>Servlet and JSP Examples</c:v>
-                </c:pt>
-                <c:pt idx="28">
-                  <c:v>Tomcat Manager Application</c:v>
-                </c:pt>
-                <c:pt idx="29">
-                  <c:v>UWAUTO/RAPWEB.WebApp</c:v>
-                </c:pt>
-                <c:pt idx="30">
-                  <c:v>WSAuthentication</c:v>
-                </c:pt>
-              </c:strCache>
-            </c:strRef>
-          </c:cat>
-          <c:val>
-            <c:numRef>
-              <c:f>Sheet1!$C$2:$C$32</c:f>
-              <c:numCache>
-                <c:formatCode>General</c:formatCode>
-                <c:ptCount val="31"/>
-                <c:pt idx="0">
-                  <c:v>16</c:v>
-                </c:pt>
-                <c:pt idx="1">
-                  <c:v>2</c:v>
-                </c:pt>
-                <c:pt idx="2">
-                  <c:v>2</c:v>
-                </c:pt>
-                <c:pt idx="3">
-                  <c:v>3</c:v>
-                </c:pt>
-                <c:pt idx="4">
-                  <c:v>1</c:v>
-                </c:pt>
-                <c:pt idx="5">
-                  <c:v>1</c:v>
-                </c:pt>
-                <c:pt idx="6">
-                  <c:v>7</c:v>
-                </c:pt>
-                <c:pt idx="7">
-                  <c:v>5</c:v>
-                </c:pt>
-                <c:pt idx="8">
-                  <c:v>5</c:v>
-                </c:pt>
-                <c:pt idx="9">
-                  <c:v>0</c:v>
-                </c:pt>
-                <c:pt idx="10">
-                  <c:v>0</c:v>
-                </c:pt>
-                <c:pt idx="11">
-                  <c:v>3</c:v>
-                </c:pt>
-                <c:pt idx="12">
-                  <c:v>4</c:v>
-                </c:pt>
-                <c:pt idx="13">
-                  <c:v>69</c:v>
-                </c:pt>
-                <c:pt idx="14">
-                  <c:v>13</c:v>
-                </c:pt>
-                <c:pt idx="15">
-                  <c:v>2</c:v>
-                </c:pt>
-                <c:pt idx="16">
-                  <c:v>1</c:v>
-                </c:pt>
-                <c:pt idx="17">
-                  <c:v>9</c:v>
-                </c:pt>
-                <c:pt idx="18">
-                  <c:v>66</c:v>
-                </c:pt>
-                <c:pt idx="19">
-                  <c:v>46</c:v>
-                </c:pt>
-                <c:pt idx="20">
-                  <c:v>14</c:v>
-                </c:pt>
-                <c:pt idx="21">
-                  <c:v>1</c:v>
-                </c:pt>
-                <c:pt idx="22">
-                  <c:v>10</c:v>
-                </c:pt>
-                <c:pt idx="23">
-                  <c:v>1</c:v>
-                </c:pt>
-                <c:pt idx="24">
-                  <c:v>5</c:v>
-                </c:pt>
-                <c:pt idx="25">
-                  <c:v>2</c:v>
-                </c:pt>
-                <c:pt idx="26">
-                  <c:v>23</c:v>
-                </c:pt>
-                <c:pt idx="27">
-                  <c:v>1</c:v>
-                </c:pt>
-                <c:pt idx="28">
-                  <c:v>5</c:v>
-                </c:pt>
-                <c:pt idx="29">
-                  <c:v>0</c:v>
-                </c:pt>
-                <c:pt idx="30">
-                  <c:v>2</c:v>
-                </c:pt>
-              </c:numCache>
-            </c:numRef>
-          </c:val>
-        </c:ser>
-        <c:axId val="-2068027336"/>
-        <c:axId val="-2113994440"/>
-      </c:barChart>
-      <c:catAx>
-        <c:axId val="-2068027336"/>
-        <c:scaling>
-          <c:orientation val="minMax"/>
-        </c:scaling>
-        <c:delete val="0"/>
-        <c:axPos val="b"/>
-        <c:majorTickMark val="out"/>
-        <c:minorTickMark val="none"/>
-        <c:tickLblPos val="nextTo"/>
-        <c:crossAx val="-2113994440"/>
-        <c:crosses val="autoZero"/>
-        <c:auto val="1"/>
-        <c:lblAlgn val="ctr"/>
-        <c:lblOffset val="100"/>
-        <c:noMultiLvlLbl val="0"/>
-      </c:catAx>
-      <c:valAx>
-        <c:axId val="-2113994440"/>
-        <c:scaling/>
-        <c:delete val="0"/>
-        <c:axPos val="l"/>
-        <c:majorGridlines/>
-        <c:majorTickMark val="out"/>
-        <c:minorTickMark val="none"/>
-        <c:tickLblPos val="nextTo"/>
-        <c:crossAx val="-2068027336"/>
-        <c:crosses val="autoZero"/>
-      </c:valAx>
-    </c:plotArea>
-    <c:dispBlanksAs val="gap"/>
-  </c:chart>
-  <c:txPr>
-    <a:bodyPr/>
-    <a:lstStyle/>
-    <a:p>
-      <a:pPr>
-        <a:defRPr sz="1800"/>
-      </a:pPr>
-      <a:endParaRPr lang="en-US"/>
-    </a:p>
-  </c:txPr>
-  <c:externalData r:id="rId1">
-    <c:autoUpdate val="0"/>
-  </c:externalData>
-</c:chartSpace>
-</file>
-
 <file path=ppt/handoutMasters/handoutMaster1.xml><?xml version="1.0" encoding="utf-8"?>
 <p:handoutMaster xmlns:a="http://schemas.openxmlformats.org/drawingml/2006/main" xmlns:r="http://schemas.openxmlformats.org/officeDocument/2006/relationships" xmlns:p="http://schemas.openxmlformats.org/presentationml/2006/main">
   <p:cSld>
@@ -2239,7 +255,7 @@
           <a:p>
             <a:fld id="{576F6FCF-A974-4C47-B009-B1222F84040A}" type="datetimeFigureOut">
               <a:rPr lang="en-US" smtClean="0"/>
-              <a:t>3/11/18</a:t>
+              <a:t>3/12/18</a:t>
             </a:fld>
             <a:endParaRPr lang="en-US"/>
           </a:p>
@@ -2405,7 +421,7 @@
           <a:p>
             <a:fld id="{F66F80E4-3F3D-F145-BADA-61CDB272BCEB}" type="datetimeFigureOut">
               <a:rPr lang="en-US" smtClean="0"/>
-              <a:t>3/11/18</a:t>
+              <a:t>3/12/18</a:t>
             </a:fld>
             <a:endParaRPr lang="en-US"/>
           </a:p>
@@ -6938,234 +4954,6 @@
       <p:transition advClick="0"/>
     </mc:Fallback>
   </mc:AlternateContent>
-</p:sld>
-</file>
-
-<file path=ppt/slides/slide2.xml><?xml version="1.0" encoding="utf-8"?>
-<p:sld xmlns:a="http://schemas.openxmlformats.org/drawingml/2006/main" xmlns:p="http://schemas.openxmlformats.org/presentationml/2006/main" xmlns:r="http://schemas.openxmlformats.org/officeDocument/2006/relationships">
-  <p:cSld>
-    <p:spTree>
-      <p:nvGrpSpPr>
-        <p:cNvPr id="1" name=""/>
-        <p:cNvGrpSpPr/>
-        <p:nvPr/>
-      </p:nvGrpSpPr>
-      <p:grpSpPr/>
-      <p:sp>
-        <p:nvSpPr>
-          <p:cNvPr id="2" name="Title 1"/>
-          <p:cNvSpPr>
-            <a:spLocks noGrp="1"/>
-          </p:cNvSpPr>
-          <p:nvPr>
-            <p:ph type="title"/>
-          </p:nvPr>
-        </p:nvSpPr>
-        <p:spPr/>
-        <p:txBody>
-          <a:bodyPr/>
-          <a:lstStyle/>
-          <a:p>
-            <a:r>
-              <a:t>SERIOUS VULNERABILITIES BY APPLICATION</a:t>
-            </a:r>
-          </a:p>
-        </p:txBody>
-      </p:sp>
-      <p:graphicFrame>
-        <p:nvGraphicFramePr>
-          <p:cNvPr id="3" name="Chart 2"/>
-          <p:cNvGraphicFramePr>
-            <a:graphicFrameLocks noGrp="1"/>
-          </p:cNvGraphicFramePr>
-          <p:nvPr/>
-        </p:nvGraphicFramePr>
-        <p:xfrm>
-          <a:off x="3657600" y="1600200"/>
-          <a:ext cx="9144000" cy="5486400"/>
-        </p:xfrm>
-        <a:graphic>
-          <a:graphicData uri="http://schemas.openxmlformats.org/drawingml/2006/chart">
-            <c:chart xmlns:c="http://schemas.openxmlformats.org/drawingml/2006/chart" r:id="rId2"/>
-          </a:graphicData>
-        </a:graphic>
-      </p:graphicFrame>
-    </p:spTree>
-  </p:cSld>
-  <p:clrMapOvr>
-    <a:masterClrMapping/>
-  </p:clrMapOvr>
-</p:sld>
-</file>
-
-<file path=ppt/slides/slide3.xml><?xml version="1.0" encoding="utf-8"?>
-<p:sld xmlns:a="http://schemas.openxmlformats.org/drawingml/2006/main" xmlns:p="http://schemas.openxmlformats.org/presentationml/2006/main" xmlns:r="http://schemas.openxmlformats.org/officeDocument/2006/relationships">
-  <p:cSld>
-    <p:spTree>
-      <p:nvGrpSpPr>
-        <p:cNvPr id="1" name=""/>
-        <p:cNvGrpSpPr/>
-        <p:nvPr/>
-      </p:nvGrpSpPr>
-      <p:grpSpPr/>
-      <p:sp>
-        <p:nvSpPr>
-          <p:cNvPr id="2" name="Title 1"/>
-          <p:cNvSpPr>
-            <a:spLocks noGrp="1"/>
-          </p:cNvSpPr>
-          <p:nvPr>
-            <p:ph type="title"/>
-          </p:nvPr>
-        </p:nvSpPr>
-        <p:spPr/>
-        <p:txBody>
-          <a:bodyPr/>
-          <a:lstStyle/>
-          <a:p>
-            <a:r>
-              <a:t>SERIOUS VULNERABILITIES BY APPLICATION</a:t>
-            </a:r>
-          </a:p>
-        </p:txBody>
-      </p:sp>
-      <p:graphicFrame>
-        <p:nvGraphicFramePr>
-          <p:cNvPr id="3" name="Chart 2"/>
-          <p:cNvGraphicFramePr>
-            <a:graphicFrameLocks noGrp="1"/>
-          </p:cNvGraphicFramePr>
-          <p:nvPr/>
-        </p:nvGraphicFramePr>
-        <p:xfrm>
-          <a:off x="1828800" y="1600200"/>
-          <a:ext cx="9144000" cy="5486400"/>
-        </p:xfrm>
-        <a:graphic>
-          <a:graphicData uri="http://schemas.openxmlformats.org/drawingml/2006/chart">
-            <c:chart xmlns:c="http://schemas.openxmlformats.org/drawingml/2006/chart" r:id="rId2"/>
-          </a:graphicData>
-        </a:graphic>
-      </p:graphicFrame>
-    </p:spTree>
-  </p:cSld>
-  <p:clrMapOvr>
-    <a:masterClrMapping/>
-  </p:clrMapOvr>
-</p:sld>
-</file>
-
-<file path=ppt/slides/slide4.xml><?xml version="1.0" encoding="utf-8"?>
-<p:sld xmlns:a="http://schemas.openxmlformats.org/drawingml/2006/main" xmlns:p="http://schemas.openxmlformats.org/presentationml/2006/main" xmlns:r="http://schemas.openxmlformats.org/officeDocument/2006/relationships">
-  <p:cSld>
-    <p:spTree>
-      <p:nvGrpSpPr>
-        <p:cNvPr id="1" name=""/>
-        <p:cNvGrpSpPr/>
-        <p:nvPr/>
-      </p:nvGrpSpPr>
-      <p:grpSpPr/>
-      <p:sp>
-        <p:nvSpPr>
-          <p:cNvPr id="2" name="Title 1"/>
-          <p:cNvSpPr>
-            <a:spLocks noGrp="1"/>
-          </p:cNvSpPr>
-          <p:nvPr>
-            <p:ph type="title"/>
-          </p:nvPr>
-        </p:nvSpPr>
-        <p:spPr/>
-        <p:txBody>
-          <a:bodyPr/>
-          <a:lstStyle/>
-          <a:p>
-            <a:r>
-              <a:t>SERIOUS VULNERABILITIES BY APPLICATION</a:t>
-            </a:r>
-          </a:p>
-        </p:txBody>
-      </p:sp>
-      <p:graphicFrame>
-        <p:nvGraphicFramePr>
-          <p:cNvPr id="3" name="Chart 2"/>
-          <p:cNvGraphicFramePr>
-            <a:graphicFrameLocks noGrp="1"/>
-          </p:cNvGraphicFramePr>
-          <p:nvPr/>
-        </p:nvGraphicFramePr>
-        <p:xfrm>
-          <a:off x="1828800" y="1600200"/>
-          <a:ext cx="9144000" cy="5486400"/>
-        </p:xfrm>
-        <a:graphic>
-          <a:graphicData uri="http://schemas.openxmlformats.org/drawingml/2006/chart">
-            <c:chart xmlns:c="http://schemas.openxmlformats.org/drawingml/2006/chart" r:id="rId2"/>
-          </a:graphicData>
-        </a:graphic>
-      </p:graphicFrame>
-    </p:spTree>
-  </p:cSld>
-  <p:clrMapOvr>
-    <a:masterClrMapping/>
-  </p:clrMapOvr>
-</p:sld>
-</file>
-
-<file path=ppt/slides/slide5.xml><?xml version="1.0" encoding="utf-8"?>
-<p:sld xmlns:a="http://schemas.openxmlformats.org/drawingml/2006/main" xmlns:p="http://schemas.openxmlformats.org/presentationml/2006/main" xmlns:r="http://schemas.openxmlformats.org/officeDocument/2006/relationships">
-  <p:cSld>
-    <p:spTree>
-      <p:nvGrpSpPr>
-        <p:cNvPr id="1" name=""/>
-        <p:cNvGrpSpPr/>
-        <p:nvPr/>
-      </p:nvGrpSpPr>
-      <p:grpSpPr/>
-      <p:sp>
-        <p:nvSpPr>
-          <p:cNvPr id="2" name="Title 1"/>
-          <p:cNvSpPr>
-            <a:spLocks noGrp="1"/>
-          </p:cNvSpPr>
-          <p:nvPr>
-            <p:ph type="title"/>
-          </p:nvPr>
-        </p:nvSpPr>
-        <p:spPr/>
-        <p:txBody>
-          <a:bodyPr/>
-          <a:lstStyle/>
-          <a:p>
-            <a:r>
-              <a:t>SERIOUS VULNERABILITIES BY APPLICATION</a:t>
-            </a:r>
-          </a:p>
-        </p:txBody>
-      </p:sp>
-      <p:graphicFrame>
-        <p:nvGraphicFramePr>
-          <p:cNvPr id="3" name="Chart 2"/>
-          <p:cNvGraphicFramePr>
-            <a:graphicFrameLocks noGrp="1"/>
-          </p:cNvGraphicFramePr>
-          <p:nvPr/>
-        </p:nvGraphicFramePr>
-        <p:xfrm>
-          <a:off x="1828800" y="914400"/>
-          <a:ext cx="9144000" cy="5486400"/>
-        </p:xfrm>
-        <a:graphic>
-          <a:graphicData uri="http://schemas.openxmlformats.org/drawingml/2006/chart">
-            <c:chart xmlns:c="http://schemas.openxmlformats.org/drawingml/2006/chart" r:id="rId2"/>
-          </a:graphicData>
-        </a:graphic>
-      </p:graphicFrame>
-    </p:spTree>
-  </p:cSld>
-  <p:clrMapOvr>
-    <a:masterClrMapping/>
-  </p:clrMapOvr>
 </p:sld>
 </file>
 
@@ -8172,6 +5960,21 @@
 </file>
 
 <file path=customXml/item1.xml><?xml version="1.0" encoding="utf-8"?>
+<?mso-contentType ?>
+<FormTemplates xmlns="http://schemas.microsoft.com/sharepoint/v3/contenttype/forms">
+  <Display>DocumentLibraryForm</Display>
+  <Edit>DocumentLibraryForm</Edit>
+  <New>DocumentLibraryForm</New>
+</FormTemplates>
+</file>
+
+<file path=customXml/item2.xml><?xml version="1.0" encoding="utf-8"?>
+<p:properties xmlns:p="http://schemas.microsoft.com/office/2006/metadata/properties" xmlns:xsi="http://www.w3.org/2001/XMLSchema-instance" xmlns:pc="http://schemas.microsoft.com/office/infopath/2007/PartnerControls">
+  <documentManagement/>
+</p:properties>
+</file>
+
+<file path=customXml/item3.xml><?xml version="1.0" encoding="utf-8"?>
 <ct:contentTypeSchema xmlns:ct="http://schemas.microsoft.com/office/2006/metadata/contentType" xmlns:ma="http://schemas.microsoft.com/office/2006/metadata/properties/metaAttributes" ct:_="" ma:_="" ma:contentTypeName="Document" ma:contentTypeID="0x010100BF6575726D4F6740B10BF16A9F0298C1" ma:contentTypeVersion="6" ma:contentTypeDescription="Create a new document." ma:contentTypeScope="" ma:versionID="f37fa721f239232547b49f7712f4606e">
   <xsd:schema xmlns:xsd="http://www.w3.org/2001/XMLSchema" xmlns:xs="http://www.w3.org/2001/XMLSchema" xmlns:p="http://schemas.microsoft.com/office/2006/metadata/properties" xmlns:ns2="62eef4dc-4548-433e-8876-584fa1141518" xmlns:ns3="f612ff9d-6650-487c-ae8a-0c2edbf6d626" xmlns:ns4="0320eccf-858c-411a-8e66-98502ef9ff3b" targetNamespace="http://schemas.microsoft.com/office/2006/metadata/properties" ma:root="true" ma:fieldsID="9197a49358ef5b855989a4f0a2ab9432" ns2:_="" ns3:_="" ns4:_="">
     <xsd:import namespace="62eef4dc-4548-433e-8876-584fa1141518"/>
@@ -8355,37 +6158,10 @@
 </ct:contentTypeSchema>
 </file>
 
-<file path=customXml/item2.xml><?xml version="1.0" encoding="utf-8"?>
-<p:properties xmlns:p="http://schemas.microsoft.com/office/2006/metadata/properties" xmlns:xsi="http://www.w3.org/2001/XMLSchema-instance" xmlns:pc="http://schemas.microsoft.com/office/infopath/2007/PartnerControls">
-  <documentManagement/>
-</p:properties>
-</file>
-
-<file path=customXml/item3.xml><?xml version="1.0" encoding="utf-8"?>
-<?mso-contentType ?>
-<FormTemplates xmlns="http://schemas.microsoft.com/sharepoint/v3/contenttype/forms">
-  <Display>DocumentLibraryForm</Display>
-  <Edit>DocumentLibraryForm</Edit>
-  <New>DocumentLibraryForm</New>
-</FormTemplates>
-</file>
-
 <file path=customXml/itemProps1.xml><?xml version="1.0" encoding="utf-8"?>
-<ds:datastoreItem xmlns:ds="http://schemas.openxmlformats.org/officeDocument/2006/customXml" ds:itemID="{412F62C9-C092-41ED-8391-A91F978838CC}">
+<ds:datastoreItem xmlns:ds="http://schemas.openxmlformats.org/officeDocument/2006/customXml" ds:itemID="{0EC8758C-5A7F-4B46-A2C5-82266B80BCCC}">
   <ds:schemaRefs>
-    <ds:schemaRef ds:uri="0320eccf-858c-411a-8e66-98502ef9ff3b"/>
-    <ds:schemaRef ds:uri="62eef4dc-4548-433e-8876-584fa1141518"/>
-    <ds:schemaRef ds:uri="f612ff9d-6650-487c-ae8a-0c2edbf6d626"/>
-    <ds:schemaRef ds:uri="http://purl.org/dc/elements/1.1/"/>
-    <ds:schemaRef ds:uri="http://purl.org/dc/terms/"/>
-    <ds:schemaRef ds:uri="http://schemas.microsoft.com/internal/obd"/>
-    <ds:schemaRef ds:uri="http://schemas.microsoft.com/office/2006/documentManagement/types"/>
-    <ds:schemaRef ds:uri="http://schemas.microsoft.com/office/2006/metadata/contentType"/>
-    <ds:schemaRef ds:uri="http://schemas.microsoft.com/office/2006/metadata/properties"/>
-    <ds:schemaRef ds:uri="http://schemas.microsoft.com/office/2006/metadata/properties/metaAttributes"/>
-    <ds:schemaRef ds:uri="http://schemas.microsoft.com/office/infopath/2007/PartnerControls"/>
-    <ds:schemaRef ds:uri="http://schemas.openxmlformats.org/package/2006/metadata/core-properties"/>
-    <ds:schemaRef ds:uri="http://www.w3.org/2001/XMLSchema"/>
+    <ds:schemaRef ds:uri="http://schemas.microsoft.com/sharepoint/v3/contenttype/forms"/>
   </ds:schemaRefs>
 </ds:datastoreItem>
 </file>
@@ -8409,9 +6185,21 @@
 </file>
 
 <file path=customXml/itemProps3.xml><?xml version="1.0" encoding="utf-8"?>
-<ds:datastoreItem xmlns:ds="http://schemas.openxmlformats.org/officeDocument/2006/customXml" ds:itemID="{0EC8758C-5A7F-4B46-A2C5-82266B80BCCC}">
+<ds:datastoreItem xmlns:ds="http://schemas.openxmlformats.org/officeDocument/2006/customXml" ds:itemID="{412F62C9-C092-41ED-8391-A91F978838CC}">
   <ds:schemaRefs>
-    <ds:schemaRef ds:uri="http://schemas.microsoft.com/sharepoint/v3/contenttype/forms"/>
+    <ds:schemaRef ds:uri="0320eccf-858c-411a-8e66-98502ef9ff3b"/>
+    <ds:schemaRef ds:uri="62eef4dc-4548-433e-8876-584fa1141518"/>
+    <ds:schemaRef ds:uri="f612ff9d-6650-487c-ae8a-0c2edbf6d626"/>
+    <ds:schemaRef ds:uri="http://purl.org/dc/elements/1.1/"/>
+    <ds:schemaRef ds:uri="http://purl.org/dc/terms/"/>
+    <ds:schemaRef ds:uri="http://schemas.microsoft.com/internal/obd"/>
+    <ds:schemaRef ds:uri="http://schemas.microsoft.com/office/2006/documentManagement/types"/>
+    <ds:schemaRef ds:uri="http://schemas.microsoft.com/office/2006/metadata/contentType"/>
+    <ds:schemaRef ds:uri="http://schemas.microsoft.com/office/2006/metadata/properties"/>
+    <ds:schemaRef ds:uri="http://schemas.microsoft.com/office/2006/metadata/properties/metaAttributes"/>
+    <ds:schemaRef ds:uri="http://schemas.microsoft.com/office/infopath/2007/PartnerControls"/>
+    <ds:schemaRef ds:uri="http://schemas.openxmlformats.org/package/2006/metadata/core-properties"/>
+    <ds:schemaRef ds:uri="http://www.w3.org/2001/XMLSchema"/>
   </ds:schemaRefs>
 </ds:datastoreItem>
 </file>